--- a/ch09/第9章 2_static修饰符.pptx
+++ b/ch09/第9章 2_static修饰符.pptx
@@ -8138,7 +8138,6 @@
               <a:rPr lang="zh-CN" altLang="en-US" dirty="0" smtClean="0"/>
               <a:t>次。</a:t>
             </a:r>
-            <a:endParaRPr lang="zh-CN" altLang="en-US" dirty="0" smtClean="0"/>
           </a:p>
         </p:txBody>
       </p:sp>
@@ -8585,7 +8584,6 @@
               <a:rPr lang="zh-CN" altLang="en-US" dirty="0" smtClean="0"/>
               <a:t>次。</a:t>
             </a:r>
-            <a:endParaRPr lang="zh-CN" altLang="en-US" dirty="0" smtClean="0"/>
           </a:p>
         </p:txBody>
       </p:sp>
@@ -9189,11 +9187,7 @@
             </a:r>
             <a:r>
               <a:rPr lang="zh-CN" altLang="en-US" dirty="0" smtClean="0"/>
-              <a:t>类的静态代码</a:t>
-            </a:r>
-            <a:r>
-              <a:rPr lang="zh-CN" altLang="en-US" dirty="0" smtClean="0"/>
-              <a:t>块；</a:t>
+              <a:t>类的静态代码块；</a:t>
             </a:r>
             <a:endParaRPr lang="en-US" altLang="zh-CN" dirty="0" smtClean="0"/>
           </a:p>
@@ -9209,11 +9203,7 @@
             </a:r>
             <a:r>
               <a:rPr lang="zh-CN" altLang="en-US" dirty="0" smtClean="0"/>
-              <a:t>类的静态代码</a:t>
-            </a:r>
-            <a:r>
-              <a:rPr lang="zh-CN" altLang="en-US" dirty="0" smtClean="0"/>
-              <a:t>块；</a:t>
+              <a:t>类的静态代码块；</a:t>
             </a:r>
             <a:endParaRPr lang="en-US" altLang="zh-CN" dirty="0" smtClean="0"/>
           </a:p>
@@ -9229,11 +9219,7 @@
             </a:r>
             <a:r>
               <a:rPr lang="zh-CN" altLang="en-US" dirty="0" smtClean="0"/>
-              <a:t>类的构造</a:t>
-            </a:r>
-            <a:r>
-              <a:rPr lang="zh-CN" altLang="en-US" dirty="0" smtClean="0"/>
-              <a:t>方法；</a:t>
+              <a:t>类的构造方法；</a:t>
             </a:r>
             <a:endParaRPr lang="en-US" altLang="zh-CN" dirty="0" smtClean="0"/>
           </a:p>
@@ -9249,13 +9235,8 @@
             </a:r>
             <a:r>
               <a:rPr lang="zh-CN" altLang="en-US" dirty="0" smtClean="0"/>
-              <a:t>类的构造</a:t>
-            </a:r>
-            <a:r>
-              <a:rPr lang="zh-CN" altLang="en-US" dirty="0" smtClean="0"/>
-              <a:t>方法。</a:t>
-            </a:r>
-            <a:endParaRPr lang="zh-CN" altLang="en-US" dirty="0" smtClean="0"/>
+              <a:t>类的构造方法。</a:t>
+            </a:r>
           </a:p>
         </p:txBody>
       </p:sp>
@@ -10624,7 +10605,6 @@
               <a:rPr lang="zh-CN" altLang="en-US" dirty="0" smtClean="0"/>
               <a:t>部类。</a:t>
             </a:r>
-            <a:endParaRPr lang="zh-CN" altLang="en-US" dirty="0" smtClean="0"/>
           </a:p>
         </p:txBody>
       </p:sp>
@@ -10787,7 +10767,6 @@
               <a:rPr lang="zh-CN" altLang="en-US" dirty="0" smtClean="0"/>
               <a:t>访问。</a:t>
             </a:r>
-            <a:endParaRPr lang="zh-CN" altLang="en-US" dirty="0" smtClean="0"/>
           </a:p>
         </p:txBody>
       </p:sp>
@@ -11022,7 +11001,6 @@
               <a:rPr lang="zh-CN" altLang="en-US" dirty="0" smtClean="0"/>
               <a:t>块。</a:t>
             </a:r>
-            <a:endParaRPr lang="zh-CN" altLang="en-US" dirty="0" smtClean="0"/>
           </a:p>
         </p:txBody>
       </p:sp>
@@ -11106,8 +11084,8 @@
         </p:nvSpPr>
         <p:spPr>
           <a:xfrm>
-            <a:off x="4871864" y="1160749"/>
-            <a:ext cx="2664296" cy="4965415"/>
+            <a:off x="609600" y="1160749"/>
+            <a:ext cx="10972800" cy="4965415"/>
           </a:xfrm>
         </p:spPr>
         <p:txBody>
@@ -11137,7 +11115,23 @@
             </a:pPr>
             <a:r>
               <a:rPr lang="zh-CN" altLang="en-US" dirty="0" smtClean="0"/>
-              <a:t>静态变量</a:t>
+              <a:t>静态</a:t>
+            </a:r>
+            <a:r>
+              <a:rPr lang="zh-CN" altLang="en-US" dirty="0" smtClean="0"/>
+              <a:t>变量</a:t>
+            </a:r>
+            <a:endParaRPr lang="en-US" altLang="zh-CN" dirty="0" smtClean="0"/>
+          </a:p>
+          <a:p>
+            <a:pPr>
+              <a:lnSpc>
+                <a:spcPct val="150000"/>
+              </a:lnSpc>
+            </a:pPr>
+            <a:r>
+              <a:rPr lang="zh-CN" altLang="en-US" dirty="0" smtClean="0"/>
+              <a:t>静态代码块</a:t>
             </a:r>
             <a:endParaRPr lang="en-US" altLang="zh-CN" dirty="0" smtClean="0"/>
           </a:p>
@@ -11476,11 +11470,7 @@
             </a:r>
             <a:r>
               <a:rPr lang="zh-CN" altLang="en-US" dirty="0" smtClean="0"/>
-              <a:t>名（或对象，不推荐）</a:t>
-            </a:r>
-            <a:r>
-              <a:rPr lang="zh-CN" altLang="en-US" dirty="0" smtClean="0"/>
-              <a:t>调用。</a:t>
+              <a:t>名（或对象，不推荐）调用。</a:t>
             </a:r>
             <a:endParaRPr lang="en-US" altLang="zh-CN" dirty="0" smtClean="0"/>
           </a:p>
@@ -14293,7 +14283,6 @@
               <a:rPr lang="zh-CN" altLang="en-US" dirty="0" smtClean="0"/>
               <a:t>存储空间。</a:t>
             </a:r>
-            <a:endParaRPr lang="zh-CN" altLang="en-US" dirty="0" smtClean="0"/>
           </a:p>
         </p:txBody>
       </p:sp>
@@ -15589,11 +15578,6 @@
               </a:rPr>
               <a:t>次。</a:t>
             </a:r>
-            <a:endParaRPr lang="zh-CN" altLang="en-US" dirty="0" smtClean="0">
-              <a:solidFill>
-                <a:srgbClr val="FF0000"/>
-              </a:solidFill>
-            </a:endParaRPr>
           </a:p>
         </p:txBody>
       </p:sp>
